--- a/majoy/ZooKeeper教程.pptx
+++ b/majoy/ZooKeeper教程.pptx
@@ -105,6 +105,11 @@
       </a:defRPr>
     </a:lvl9pPr>
   </p:defaultTextStyle>
+  <p:extLst>
+    <p:ext uri="{EFAFB233-063F-42B5-8137-9DF3F51BA10A}">
+      <p15:sldGuideLst xmlns:p15="http://schemas.microsoft.com/office/powerpoint/2012/main"/>
+    </p:ext>
+  </p:extLst>
 </p:presentation>
 </file>
 
@@ -3474,6 +3479,15 @@
               </a:rPr>
               <a:t>https://cloud.tencent.com/developer/article/1015415</a:t>
             </a:r>
+            <a:endParaRPr lang="en-US" altLang="zh-CN" dirty="0"/>
+          </a:p>
+          <a:p>
+            <a:r>
+              <a:rPr lang="en-US" altLang="zh-CN">
+                <a:hlinkClick r:id="rId3"/>
+              </a:rPr>
+              <a:t>https://www.hifreud.com/</a:t>
+            </a:r>
             <a:endParaRPr lang="zh-CN" altLang="en-US" dirty="0"/>
           </a:p>
         </p:txBody>
